--- a/lectures/6/2_Questionnaire Analysis.pptx
+++ b/lectures/6/2_Questionnaire Analysis.pptx
@@ -5824,7 +5824,7 @@
           <a:p>
             <a:fld id="{73B2889B-A0AC-4482-8592-5C96F2309420}" type="datetimeFigureOut">
               <a:rPr lang="en-US" smtClean="0"/>
-              <a:t>10/3/2021</a:t>
+              <a:t>2/22/2022</a:t>
             </a:fld>
             <a:endParaRPr lang="en-US"/>
           </a:p>
@@ -6001,7 +6001,7 @@
           <a:p>
             <a:fld id="{830EB223-FFC0-462A-A3B8-EAA7CE0F8CBD}" type="datetimeFigureOut">
               <a:rPr lang="en-US" smtClean="0"/>
-              <a:t>10/3/2021</a:t>
+              <a:t>2/22/2022</a:t>
             </a:fld>
             <a:endParaRPr lang="en-US" dirty="0"/>
           </a:p>
@@ -9384,6 +9384,12 @@
           <a:p>
             <a:r>
               <a:rPr lang="en-US" dirty="0"/>
+              <a:t>Step 1: define the target population</a:t>
+            </a:r>
+          </a:p>
+          <a:p>
+            <a:r>
+              <a:rPr lang="en-US" dirty="0"/>
               <a:t>A population is all cases that meet designated specifications for membership in the group. </a:t>
             </a:r>
           </a:p>
@@ -9696,7 +9702,7 @@
           <a:p>
             <a:r>
               <a:rPr lang="en-US" dirty="0"/>
-              <a:t>Sampling error can be estimated using a formula unlike other errors such as measurement errors</a:t>
+              <a:t>Sampling error can be estimated using a formula</a:t>
             </a:r>
           </a:p>
         </p:txBody>
@@ -10217,7 +10223,7 @@
           <a:p>
             <a:fld id="{652F63C3-457A-404F-AAA3-8F69A90AD8AA}" type="datetime1">
               <a:rPr lang="en-US" smtClean="0"/>
-              <a:t>10/3/2021</a:t>
+              <a:t>2/22/2022</a:t>
             </a:fld>
             <a:endParaRPr lang="en-US" dirty="0"/>
           </a:p>
@@ -10419,7 +10425,7 @@
           <a:p>
             <a:fld id="{90D7BE31-F334-4A5A-B29B-3D5E9040FCF6}" type="datetime1">
               <a:rPr lang="en-US" smtClean="0"/>
-              <a:t>10/3/2021</a:t>
+              <a:t>2/22/2022</a:t>
             </a:fld>
             <a:endParaRPr lang="en-US" dirty="0"/>
           </a:p>
@@ -10631,7 +10637,7 @@
           <a:p>
             <a:fld id="{E27D8CA0-0249-41D2-804F-55EAFCB3B1FC}" type="datetime1">
               <a:rPr lang="en-US" smtClean="0"/>
-              <a:t>10/3/2021</a:t>
+              <a:t>2/22/2022</a:t>
             </a:fld>
             <a:endParaRPr lang="en-US" dirty="0"/>
           </a:p>
@@ -10833,7 +10839,7 @@
           <a:p>
             <a:fld id="{978A0CA8-73C9-417F-A36E-C4BA7C1C6642}" type="datetime1">
               <a:rPr lang="en-US" smtClean="0"/>
-              <a:t>10/3/2021</a:t>
+              <a:t>2/22/2022</a:t>
             </a:fld>
             <a:endParaRPr lang="en-US" dirty="0"/>
           </a:p>
@@ -11112,7 +11118,7 @@
           <a:p>
             <a:fld id="{62B6FF38-DD63-473C-B2A6-F16CDF318C96}" type="datetime1">
               <a:rPr lang="en-US" smtClean="0"/>
-              <a:t>10/3/2021</a:t>
+              <a:t>2/22/2022</a:t>
             </a:fld>
             <a:endParaRPr lang="en-US" dirty="0"/>
           </a:p>
@@ -11381,7 +11387,7 @@
           <a:p>
             <a:fld id="{10772E45-5CB0-42B2-8B8D-73EC30177BE9}" type="datetime1">
               <a:rPr lang="en-US" smtClean="0"/>
-              <a:t>10/3/2021</a:t>
+              <a:t>2/22/2022</a:t>
             </a:fld>
             <a:endParaRPr lang="en-US" dirty="0"/>
           </a:p>
@@ -11797,7 +11803,7 @@
           <a:p>
             <a:fld id="{A80C3EC0-F698-4DB8-8DE1-3EE7007C63C0}" type="datetime1">
               <a:rPr lang="en-US" smtClean="0"/>
-              <a:t>10/3/2021</a:t>
+              <a:t>2/22/2022</a:t>
             </a:fld>
             <a:endParaRPr lang="en-US" dirty="0"/>
           </a:p>
@@ -11942,7 +11948,7 @@
           <a:p>
             <a:fld id="{B1D7AA44-BA0F-4534-BC47-63051C7ACB88}" type="datetime1">
               <a:rPr lang="en-US" smtClean="0"/>
-              <a:t>10/3/2021</a:t>
+              <a:t>2/22/2022</a:t>
             </a:fld>
             <a:endParaRPr lang="en-US" dirty="0"/>
           </a:p>
@@ -12059,7 +12065,7 @@
           <a:p>
             <a:fld id="{917D2CBF-A2D2-4798-ACA0-B49D331DADDD}" type="datetime1">
               <a:rPr lang="en-US" smtClean="0"/>
-              <a:t>10/3/2021</a:t>
+              <a:t>2/22/2022</a:t>
             </a:fld>
             <a:endParaRPr lang="en-US" dirty="0"/>
           </a:p>
@@ -12374,7 +12380,7 @@
           <a:p>
             <a:fld id="{5ABFC442-6CCF-4306-931F-EB33335B597E}" type="datetime1">
               <a:rPr lang="en-US" smtClean="0"/>
-              <a:t>10/3/2021</a:t>
+              <a:t>2/22/2022</a:t>
             </a:fld>
             <a:endParaRPr lang="en-US" dirty="0"/>
           </a:p>
@@ -12670,7 +12676,7 @@
           <a:p>
             <a:fld id="{DCE8E768-B816-42BE-AB00-4363C8FC5A56}" type="datetime1">
               <a:rPr lang="en-US" smtClean="0"/>
-              <a:t>10/3/2021</a:t>
+              <a:t>2/22/2022</a:t>
             </a:fld>
             <a:endParaRPr lang="en-US" dirty="0"/>
           </a:p>
@@ -12915,7 +12921,7 @@
           <a:p>
             <a:fld id="{3C0B4283-5C87-4BB4-AE30-920C64243E43}" type="datetime1">
               <a:rPr lang="en-US" smtClean="0"/>
-              <a:t>10/3/2021</a:t>
+              <a:t>2/22/2022</a:t>
             </a:fld>
             <a:endParaRPr lang="en-US" dirty="0"/>
           </a:p>
@@ -15331,7 +15337,7 @@
             <a:pPr lvl="2"/>
             <a:r>
               <a:rPr lang="en-US" sz="2200" dirty="0"/>
-              <a:t>Ex: Households in the city limits of Sacramento, CA, with on or more children under the age of 18 living at home. </a:t>
+              <a:t>Ex: Households in the city limits of Sacramento, CA, with one or more children under the age of 18 living at home. </a:t>
             </a:r>
           </a:p>
           <a:p>
@@ -20754,8 +20760,15 @@
           <a:lstStyle/>
           <a:p>
             <a:r>
-              <a:rPr lang="en-US" sz="5400"/>
-              <a:t>Probability </a:t>
+              <a:rPr lang="en-US" sz="5400" dirty="0"/>
+              <a:t>Probability</a:t>
+            </a:r>
+            <a:br>
+              <a:rPr lang="en-US" sz="5400" dirty="0"/>
+            </a:br>
+            <a:r>
+              <a:rPr lang="en-US" sz="5400" dirty="0"/>
+              <a:t>Sampling </a:t>
             </a:r>
           </a:p>
         </p:txBody>
@@ -27266,7 +27279,7 @@
 </file>
 
 <file path=ppt/slides/slide3.xml><?xml version="1.0" encoding="utf-8"?>
-<p:sld xmlns:a="http://schemas.openxmlformats.org/drawingml/2006/main" xmlns:r="http://schemas.openxmlformats.org/officeDocument/2006/relationships" xmlns:p="http://schemas.openxmlformats.org/presentationml/2006/main">
+<p:sld xmlns:a="http://schemas.openxmlformats.org/drawingml/2006/main" xmlns:r="http://schemas.openxmlformats.org/officeDocument/2006/relationships" xmlns:p="http://schemas.openxmlformats.org/presentationml/2006/main" show="0">
   <p:cSld>
     <p:bg>
       <p:bgPr>
@@ -29284,14 +29297,22 @@
           </a:p>
           <a:p>
             <a:r>
-              <a:rPr lang="en-US" sz="1700" dirty="0"/>
-              <a:t>Precision: the degree of error in an estimate of a population parameter </a:t>
+              <a:rPr lang="en-US" sz="1700" b="1" dirty="0"/>
+              <a:t>Precision</a:t>
             </a:r>
-          </a:p>
-          <a:p>
             <a:r>
               <a:rPr lang="en-US" sz="1700" dirty="0"/>
-              <a:t>Confidence: the degree to which one can feel confident that an estimate approximates the true value </a:t>
+              <a:t>: the degree of error in an estimate of a population parameter </a:t>
+            </a:r>
+          </a:p>
+          <a:p>
+            <a:r>
+              <a:rPr lang="en-US" sz="1700" b="1" dirty="0"/>
+              <a:t>Confidence</a:t>
+            </a:r>
+            <a:r>
+              <a:rPr lang="en-US" sz="1700" dirty="0"/>
+              <a:t>: the degree to which one can feel confident that an estimate approximates the true value </a:t>
             </a:r>
           </a:p>
           <a:p>
@@ -31114,8 +31135,8 @@
           </a:p>
         </p:txBody>
       </p:sp>
-      <mc:AlternateContent xmlns:mc="http://schemas.openxmlformats.org/markup-compatibility/2006" xmlns:a14="http://schemas.microsoft.com/office/drawing/2010/main">
-        <mc:Choice Requires="a14">
+      <mc:AlternateContent xmlns:mc="http://schemas.openxmlformats.org/markup-compatibility/2006">
+        <mc:Choice xmlns:a14="http://schemas.microsoft.com/office/drawing/2010/main" Requires="a14">
           <p:sp>
             <p:nvSpPr>
               <p:cNvPr id="3" name="Content Placeholder 2">
@@ -31146,7 +31167,7 @@
               <a:p>
                 <a:r>
                   <a:rPr lang="en-US" sz="2200" dirty="0"/>
-                  <a:t>When is it meaningful to calculate a mean </a:t>
+                  <a:t>When is it meaningful to calculate a mean?</a:t>
                 </a:r>
               </a:p>
               <a:p>
@@ -31206,7 +31227,7 @@
             </p:txBody>
           </p:sp>
         </mc:Choice>
-        <mc:Fallback xmlns="">
+        <mc:Fallback>
           <p:sp>
             <p:nvSpPr>
               <p:cNvPr id="3" name="Content Placeholder 2">
@@ -31260,6 +31281,379 @@
   <p:clrMapOvr>
     <a:masterClrMapping/>
   </p:clrMapOvr>
+  <p:timing>
+    <p:tnLst>
+      <p:par>
+        <p:cTn id="1" dur="indefinite" restart="never" nodeType="tmRoot">
+          <p:childTnLst>
+            <p:seq concurrent="1" nextAc="seek">
+              <p:cTn id="2" dur="indefinite" nodeType="mainSeq">
+                <p:childTnLst>
+                  <p:par>
+                    <p:cTn id="3" fill="hold">
+                      <p:stCondLst>
+                        <p:cond delay="indefinite"/>
+                      </p:stCondLst>
+                      <p:childTnLst>
+                        <p:par>
+                          <p:cTn id="4" fill="hold">
+                            <p:stCondLst>
+                              <p:cond delay="0"/>
+                            </p:stCondLst>
+                            <p:childTnLst>
+                              <p:par>
+                                <p:cTn id="5" presetID="1" presetClass="entr" presetSubtype="0" fill="hold" nodeType="clickEffect">
+                                  <p:stCondLst>
+                                    <p:cond delay="0"/>
+                                  </p:stCondLst>
+                                  <p:childTnLst>
+                                    <p:set>
+                                      <p:cBhvr>
+                                        <p:cTn id="6" dur="1" fill="hold">
+                                          <p:stCondLst>
+                                            <p:cond delay="0"/>
+                                          </p:stCondLst>
+                                        </p:cTn>
+                                        <p:tgtEl>
+                                          <p:spTgt spid="3">
+                                            <p:txEl>
+                                              <p:pRg st="0" end="0"/>
+                                            </p:txEl>
+                                          </p:spTgt>
+                                        </p:tgtEl>
+                                        <p:attrNameLst>
+                                          <p:attrName>style.visibility</p:attrName>
+                                        </p:attrNameLst>
+                                      </p:cBhvr>
+                                      <p:to>
+                                        <p:strVal val="visible"/>
+                                      </p:to>
+                                    </p:set>
+                                  </p:childTnLst>
+                                </p:cTn>
+                              </p:par>
+                            </p:childTnLst>
+                          </p:cTn>
+                        </p:par>
+                      </p:childTnLst>
+                    </p:cTn>
+                  </p:par>
+                  <p:par>
+                    <p:cTn id="7" fill="hold">
+                      <p:stCondLst>
+                        <p:cond delay="indefinite"/>
+                      </p:stCondLst>
+                      <p:childTnLst>
+                        <p:par>
+                          <p:cTn id="8" fill="hold">
+                            <p:stCondLst>
+                              <p:cond delay="0"/>
+                            </p:stCondLst>
+                            <p:childTnLst>
+                              <p:par>
+                                <p:cTn id="9" presetID="1" presetClass="entr" presetSubtype="0" fill="hold" nodeType="clickEffect">
+                                  <p:stCondLst>
+                                    <p:cond delay="0"/>
+                                  </p:stCondLst>
+                                  <p:childTnLst>
+                                    <p:set>
+                                      <p:cBhvr>
+                                        <p:cTn id="10" dur="1" fill="hold">
+                                          <p:stCondLst>
+                                            <p:cond delay="0"/>
+                                          </p:stCondLst>
+                                        </p:cTn>
+                                        <p:tgtEl>
+                                          <p:spTgt spid="3">
+                                            <p:txEl>
+                                              <p:pRg st="1" end="1"/>
+                                            </p:txEl>
+                                          </p:spTgt>
+                                        </p:tgtEl>
+                                        <p:attrNameLst>
+                                          <p:attrName>style.visibility</p:attrName>
+                                        </p:attrNameLst>
+                                      </p:cBhvr>
+                                      <p:to>
+                                        <p:strVal val="visible"/>
+                                      </p:to>
+                                    </p:set>
+                                  </p:childTnLst>
+                                </p:cTn>
+                              </p:par>
+                            </p:childTnLst>
+                          </p:cTn>
+                        </p:par>
+                      </p:childTnLst>
+                    </p:cTn>
+                  </p:par>
+                  <p:par>
+                    <p:cTn id="11" fill="hold">
+                      <p:stCondLst>
+                        <p:cond delay="indefinite"/>
+                      </p:stCondLst>
+                      <p:childTnLst>
+                        <p:par>
+                          <p:cTn id="12" fill="hold">
+                            <p:stCondLst>
+                              <p:cond delay="0"/>
+                            </p:stCondLst>
+                            <p:childTnLst>
+                              <p:par>
+                                <p:cTn id="13" presetID="1" presetClass="entr" presetSubtype="0" fill="hold" nodeType="clickEffect">
+                                  <p:stCondLst>
+                                    <p:cond delay="0"/>
+                                  </p:stCondLst>
+                                  <p:childTnLst>
+                                    <p:set>
+                                      <p:cBhvr>
+                                        <p:cTn id="14" dur="1" fill="hold">
+                                          <p:stCondLst>
+                                            <p:cond delay="0"/>
+                                          </p:stCondLst>
+                                        </p:cTn>
+                                        <p:tgtEl>
+                                          <p:spTgt spid="3">
+                                            <p:txEl>
+                                              <p:pRg st="2" end="2"/>
+                                            </p:txEl>
+                                          </p:spTgt>
+                                        </p:tgtEl>
+                                        <p:attrNameLst>
+                                          <p:attrName>style.visibility</p:attrName>
+                                        </p:attrNameLst>
+                                      </p:cBhvr>
+                                      <p:to>
+                                        <p:strVal val="visible"/>
+                                      </p:to>
+                                    </p:set>
+                                  </p:childTnLst>
+                                </p:cTn>
+                              </p:par>
+                            </p:childTnLst>
+                          </p:cTn>
+                        </p:par>
+                      </p:childTnLst>
+                    </p:cTn>
+                  </p:par>
+                  <p:par>
+                    <p:cTn id="15" fill="hold">
+                      <p:stCondLst>
+                        <p:cond delay="indefinite"/>
+                      </p:stCondLst>
+                      <p:childTnLst>
+                        <p:par>
+                          <p:cTn id="16" fill="hold">
+                            <p:stCondLst>
+                              <p:cond delay="0"/>
+                            </p:stCondLst>
+                            <p:childTnLst>
+                              <p:par>
+                                <p:cTn id="17" presetID="1" presetClass="entr" presetSubtype="0" fill="hold" nodeType="clickEffect">
+                                  <p:stCondLst>
+                                    <p:cond delay="0"/>
+                                  </p:stCondLst>
+                                  <p:childTnLst>
+                                    <p:set>
+                                      <p:cBhvr>
+                                        <p:cTn id="18" dur="1" fill="hold">
+                                          <p:stCondLst>
+                                            <p:cond delay="0"/>
+                                          </p:stCondLst>
+                                        </p:cTn>
+                                        <p:tgtEl>
+                                          <p:spTgt spid="3">
+                                            <p:txEl>
+                                              <p:pRg st="3" end="3"/>
+                                            </p:txEl>
+                                          </p:spTgt>
+                                        </p:tgtEl>
+                                        <p:attrNameLst>
+                                          <p:attrName>style.visibility</p:attrName>
+                                        </p:attrNameLst>
+                                      </p:cBhvr>
+                                      <p:to>
+                                        <p:strVal val="visible"/>
+                                      </p:to>
+                                    </p:set>
+                                  </p:childTnLst>
+                                </p:cTn>
+                              </p:par>
+                            </p:childTnLst>
+                          </p:cTn>
+                        </p:par>
+                      </p:childTnLst>
+                    </p:cTn>
+                  </p:par>
+                  <p:par>
+                    <p:cTn id="19" fill="hold">
+                      <p:stCondLst>
+                        <p:cond delay="indefinite"/>
+                      </p:stCondLst>
+                      <p:childTnLst>
+                        <p:par>
+                          <p:cTn id="20" fill="hold">
+                            <p:stCondLst>
+                              <p:cond delay="0"/>
+                            </p:stCondLst>
+                            <p:childTnLst>
+                              <p:par>
+                                <p:cTn id="21" presetID="1" presetClass="entr" presetSubtype="0" fill="hold" nodeType="clickEffect">
+                                  <p:stCondLst>
+                                    <p:cond delay="0"/>
+                                  </p:stCondLst>
+                                  <p:childTnLst>
+                                    <p:set>
+                                      <p:cBhvr>
+                                        <p:cTn id="22" dur="1" fill="hold">
+                                          <p:stCondLst>
+                                            <p:cond delay="0"/>
+                                          </p:stCondLst>
+                                        </p:cTn>
+                                        <p:tgtEl>
+                                          <p:spTgt spid="3">
+                                            <p:txEl>
+                                              <p:pRg st="4" end="4"/>
+                                            </p:txEl>
+                                          </p:spTgt>
+                                        </p:tgtEl>
+                                        <p:attrNameLst>
+                                          <p:attrName>style.visibility</p:attrName>
+                                        </p:attrNameLst>
+                                      </p:cBhvr>
+                                      <p:to>
+                                        <p:strVal val="visible"/>
+                                      </p:to>
+                                    </p:set>
+                                  </p:childTnLst>
+                                </p:cTn>
+                              </p:par>
+                            </p:childTnLst>
+                          </p:cTn>
+                        </p:par>
+                      </p:childTnLst>
+                    </p:cTn>
+                  </p:par>
+                  <p:par>
+                    <p:cTn id="23" fill="hold">
+                      <p:stCondLst>
+                        <p:cond delay="indefinite"/>
+                      </p:stCondLst>
+                      <p:childTnLst>
+                        <p:par>
+                          <p:cTn id="24" fill="hold">
+                            <p:stCondLst>
+                              <p:cond delay="0"/>
+                            </p:stCondLst>
+                            <p:childTnLst>
+                              <p:par>
+                                <p:cTn id="25" presetID="1" presetClass="entr" presetSubtype="0" fill="hold" nodeType="clickEffect">
+                                  <p:stCondLst>
+                                    <p:cond delay="0"/>
+                                  </p:stCondLst>
+                                  <p:childTnLst>
+                                    <p:set>
+                                      <p:cBhvr>
+                                        <p:cTn id="26" dur="1" fill="hold">
+                                          <p:stCondLst>
+                                            <p:cond delay="0"/>
+                                          </p:stCondLst>
+                                        </p:cTn>
+                                        <p:tgtEl>
+                                          <p:spTgt spid="3">
+                                            <p:txEl>
+                                              <p:pRg st="5" end="5"/>
+                                            </p:txEl>
+                                          </p:spTgt>
+                                        </p:tgtEl>
+                                        <p:attrNameLst>
+                                          <p:attrName>style.visibility</p:attrName>
+                                        </p:attrNameLst>
+                                      </p:cBhvr>
+                                      <p:to>
+                                        <p:strVal val="visible"/>
+                                      </p:to>
+                                    </p:set>
+                                  </p:childTnLst>
+                                </p:cTn>
+                              </p:par>
+                            </p:childTnLst>
+                          </p:cTn>
+                        </p:par>
+                      </p:childTnLst>
+                    </p:cTn>
+                  </p:par>
+                  <p:par>
+                    <p:cTn id="27" fill="hold">
+                      <p:stCondLst>
+                        <p:cond delay="indefinite"/>
+                      </p:stCondLst>
+                      <p:childTnLst>
+                        <p:par>
+                          <p:cTn id="28" fill="hold">
+                            <p:stCondLst>
+                              <p:cond delay="0"/>
+                            </p:stCondLst>
+                            <p:childTnLst>
+                              <p:par>
+                                <p:cTn id="29" presetID="1" presetClass="entr" presetSubtype="0" fill="hold" nodeType="clickEffect">
+                                  <p:stCondLst>
+                                    <p:cond delay="0"/>
+                                  </p:stCondLst>
+                                  <p:childTnLst>
+                                    <p:set>
+                                      <p:cBhvr>
+                                        <p:cTn id="30" dur="1" fill="hold">
+                                          <p:stCondLst>
+                                            <p:cond delay="0"/>
+                                          </p:stCondLst>
+                                        </p:cTn>
+                                        <p:tgtEl>
+                                          <p:spTgt spid="3">
+                                            <p:txEl>
+                                              <p:pRg st="6" end="6"/>
+                                            </p:txEl>
+                                          </p:spTgt>
+                                        </p:tgtEl>
+                                        <p:attrNameLst>
+                                          <p:attrName>style.visibility</p:attrName>
+                                        </p:attrNameLst>
+                                      </p:cBhvr>
+                                      <p:to>
+                                        <p:strVal val="visible"/>
+                                      </p:to>
+                                    </p:set>
+                                  </p:childTnLst>
+                                </p:cTn>
+                              </p:par>
+                            </p:childTnLst>
+                          </p:cTn>
+                        </p:par>
+                      </p:childTnLst>
+                    </p:cTn>
+                  </p:par>
+                </p:childTnLst>
+              </p:cTn>
+              <p:prevCondLst>
+                <p:cond evt="onPrev" delay="0">
+                  <p:tgtEl>
+                    <p:sldTgt/>
+                  </p:tgtEl>
+                </p:cond>
+              </p:prevCondLst>
+              <p:nextCondLst>
+                <p:cond evt="onNext" delay="0">
+                  <p:tgtEl>
+                    <p:sldTgt/>
+                  </p:tgtEl>
+                </p:cond>
+              </p:nextCondLst>
+            </p:seq>
+          </p:childTnLst>
+        </p:cTn>
+      </p:par>
+    </p:tnLst>
+  </p:timing>
 </p:sld>
 </file>
 
@@ -33469,8 +33863,8 @@
           <a:lstStyle/>
           <a:p>
             <a:r>
-              <a:rPr lang="en-US" sz="4200"/>
-              <a:t>Determining Sample When Estimating Means</a:t>
+              <a:rPr lang="en-US" sz="4200" dirty="0"/>
+              <a:t>Determining Sample When Estimating Proportions</a:t>
             </a:r>
           </a:p>
         </p:txBody>
@@ -34113,8 +34507,8 @@
           </a:p>
         </p:txBody>
       </p:sp>
-      <mc:AlternateContent xmlns:mc="http://schemas.openxmlformats.org/markup-compatibility/2006" xmlns:a14="http://schemas.microsoft.com/office/drawing/2010/main">
-        <mc:Choice Requires="a14">
+      <mc:AlternateContent xmlns:mc="http://schemas.openxmlformats.org/markup-compatibility/2006">
+        <mc:Choice xmlns:a14="http://schemas.microsoft.com/office/drawing/2010/main" Requires="a14">
           <p:sp>
             <p:nvSpPr>
               <p:cNvPr id="3" name="Content Placeholder 2">
@@ -34144,41 +34538,41 @@
               <a:lstStyle/>
               <a:p>
                 <a:r>
-                  <a:rPr lang="en-US" sz="2200"/>
-                  <a:t>When do we sue the proportion formula for sample size calculation? </a:t>
+                  <a:rPr lang="en-US" sz="2200" dirty="0"/>
+                  <a:t>When do we use the proportion formula for sample size calculation? </a:t>
                 </a:r>
               </a:p>
               <a:p>
                 <a:pPr lvl="1"/>
                 <a:r>
-                  <a:rPr lang="en-US" sz="2200"/>
+                  <a:rPr lang="en-US" sz="2200" dirty="0"/>
                   <a:t>Nominal scales </a:t>
                 </a:r>
               </a:p>
               <a:p>
                 <a:pPr lvl="1"/>
                 <a:r>
-                  <a:rPr lang="en-US" sz="2200"/>
+                  <a:rPr lang="en-US" sz="2200" dirty="0"/>
                   <a:t>Ordinal scales</a:t>
                 </a:r>
               </a:p>
               <a:p>
                 <a:r>
-                  <a:rPr lang="en-US" sz="2200"/>
+                  <a:rPr lang="en-US" sz="2200" dirty="0"/>
                   <a:t>You have been asked to determine the proportion of all out-of-state fishermen who took at least one overnight fishing trip in the past year. Your estimate is to be within +/- 2% of the population mean; the confidence level is to be 95%;l and the best guess is that 25% of out-of-state respondents have taken at least one overnight fishing trip. Thus.. </a:t>
                 </a:r>
               </a:p>
               <a:p>
                 <a:pPr lvl="1"/>
                 <a:r>
-                  <a:rPr lang="en-US" sz="2200"/>
+                  <a:rPr lang="en-US" sz="2200" dirty="0"/>
                   <a:t>H = 2% </a:t>
                 </a:r>
               </a:p>
               <a:p>
                 <a:pPr lvl="1"/>
                 <a:r>
-                  <a:rPr lang="en-US" sz="2200"/>
+                  <a:rPr lang="en-US" sz="2200" dirty="0"/>
                   <a:t>Z = 1.96 </a:t>
                 </a:r>
               </a:p>
@@ -34201,14 +34595,14 @@
                   </m:oMath>
                 </a14:m>
                 <a:r>
-                  <a:rPr lang="en-US" sz="2200"/>
+                  <a:rPr lang="en-US" sz="2200" dirty="0"/>
                   <a:t>25%</a:t>
                 </a:r>
               </a:p>
             </p:txBody>
           </p:sp>
         </mc:Choice>
-        <mc:Fallback xmlns="">
+        <mc:Fallback>
           <p:sp>
             <p:nvSpPr>
               <p:cNvPr id="3" name="Content Placeholder 2">
@@ -34262,6 +34656,379 @@
   <p:clrMapOvr>
     <a:masterClrMapping/>
   </p:clrMapOvr>
+  <p:timing>
+    <p:tnLst>
+      <p:par>
+        <p:cTn id="1" dur="indefinite" restart="never" nodeType="tmRoot">
+          <p:childTnLst>
+            <p:seq concurrent="1" nextAc="seek">
+              <p:cTn id="2" dur="indefinite" nodeType="mainSeq">
+                <p:childTnLst>
+                  <p:par>
+                    <p:cTn id="3" fill="hold">
+                      <p:stCondLst>
+                        <p:cond delay="indefinite"/>
+                      </p:stCondLst>
+                      <p:childTnLst>
+                        <p:par>
+                          <p:cTn id="4" fill="hold">
+                            <p:stCondLst>
+                              <p:cond delay="0"/>
+                            </p:stCondLst>
+                            <p:childTnLst>
+                              <p:par>
+                                <p:cTn id="5" presetID="1" presetClass="entr" presetSubtype="0" fill="hold" nodeType="clickEffect">
+                                  <p:stCondLst>
+                                    <p:cond delay="0"/>
+                                  </p:stCondLst>
+                                  <p:childTnLst>
+                                    <p:set>
+                                      <p:cBhvr>
+                                        <p:cTn id="6" dur="1" fill="hold">
+                                          <p:stCondLst>
+                                            <p:cond delay="0"/>
+                                          </p:stCondLst>
+                                        </p:cTn>
+                                        <p:tgtEl>
+                                          <p:spTgt spid="3">
+                                            <p:txEl>
+                                              <p:pRg st="0" end="0"/>
+                                            </p:txEl>
+                                          </p:spTgt>
+                                        </p:tgtEl>
+                                        <p:attrNameLst>
+                                          <p:attrName>style.visibility</p:attrName>
+                                        </p:attrNameLst>
+                                      </p:cBhvr>
+                                      <p:to>
+                                        <p:strVal val="visible"/>
+                                      </p:to>
+                                    </p:set>
+                                  </p:childTnLst>
+                                </p:cTn>
+                              </p:par>
+                            </p:childTnLst>
+                          </p:cTn>
+                        </p:par>
+                      </p:childTnLst>
+                    </p:cTn>
+                  </p:par>
+                  <p:par>
+                    <p:cTn id="7" fill="hold">
+                      <p:stCondLst>
+                        <p:cond delay="indefinite"/>
+                      </p:stCondLst>
+                      <p:childTnLst>
+                        <p:par>
+                          <p:cTn id="8" fill="hold">
+                            <p:stCondLst>
+                              <p:cond delay="0"/>
+                            </p:stCondLst>
+                            <p:childTnLst>
+                              <p:par>
+                                <p:cTn id="9" presetID="1" presetClass="entr" presetSubtype="0" fill="hold" nodeType="clickEffect">
+                                  <p:stCondLst>
+                                    <p:cond delay="0"/>
+                                  </p:stCondLst>
+                                  <p:childTnLst>
+                                    <p:set>
+                                      <p:cBhvr>
+                                        <p:cTn id="10" dur="1" fill="hold">
+                                          <p:stCondLst>
+                                            <p:cond delay="0"/>
+                                          </p:stCondLst>
+                                        </p:cTn>
+                                        <p:tgtEl>
+                                          <p:spTgt spid="3">
+                                            <p:txEl>
+                                              <p:pRg st="1" end="1"/>
+                                            </p:txEl>
+                                          </p:spTgt>
+                                        </p:tgtEl>
+                                        <p:attrNameLst>
+                                          <p:attrName>style.visibility</p:attrName>
+                                        </p:attrNameLst>
+                                      </p:cBhvr>
+                                      <p:to>
+                                        <p:strVal val="visible"/>
+                                      </p:to>
+                                    </p:set>
+                                  </p:childTnLst>
+                                </p:cTn>
+                              </p:par>
+                            </p:childTnLst>
+                          </p:cTn>
+                        </p:par>
+                      </p:childTnLst>
+                    </p:cTn>
+                  </p:par>
+                  <p:par>
+                    <p:cTn id="11" fill="hold">
+                      <p:stCondLst>
+                        <p:cond delay="indefinite"/>
+                      </p:stCondLst>
+                      <p:childTnLst>
+                        <p:par>
+                          <p:cTn id="12" fill="hold">
+                            <p:stCondLst>
+                              <p:cond delay="0"/>
+                            </p:stCondLst>
+                            <p:childTnLst>
+                              <p:par>
+                                <p:cTn id="13" presetID="1" presetClass="entr" presetSubtype="0" fill="hold" nodeType="clickEffect">
+                                  <p:stCondLst>
+                                    <p:cond delay="0"/>
+                                  </p:stCondLst>
+                                  <p:childTnLst>
+                                    <p:set>
+                                      <p:cBhvr>
+                                        <p:cTn id="14" dur="1" fill="hold">
+                                          <p:stCondLst>
+                                            <p:cond delay="0"/>
+                                          </p:stCondLst>
+                                        </p:cTn>
+                                        <p:tgtEl>
+                                          <p:spTgt spid="3">
+                                            <p:txEl>
+                                              <p:pRg st="2" end="2"/>
+                                            </p:txEl>
+                                          </p:spTgt>
+                                        </p:tgtEl>
+                                        <p:attrNameLst>
+                                          <p:attrName>style.visibility</p:attrName>
+                                        </p:attrNameLst>
+                                      </p:cBhvr>
+                                      <p:to>
+                                        <p:strVal val="visible"/>
+                                      </p:to>
+                                    </p:set>
+                                  </p:childTnLst>
+                                </p:cTn>
+                              </p:par>
+                            </p:childTnLst>
+                          </p:cTn>
+                        </p:par>
+                      </p:childTnLst>
+                    </p:cTn>
+                  </p:par>
+                  <p:par>
+                    <p:cTn id="15" fill="hold">
+                      <p:stCondLst>
+                        <p:cond delay="indefinite"/>
+                      </p:stCondLst>
+                      <p:childTnLst>
+                        <p:par>
+                          <p:cTn id="16" fill="hold">
+                            <p:stCondLst>
+                              <p:cond delay="0"/>
+                            </p:stCondLst>
+                            <p:childTnLst>
+                              <p:par>
+                                <p:cTn id="17" presetID="1" presetClass="entr" presetSubtype="0" fill="hold" nodeType="clickEffect">
+                                  <p:stCondLst>
+                                    <p:cond delay="0"/>
+                                  </p:stCondLst>
+                                  <p:childTnLst>
+                                    <p:set>
+                                      <p:cBhvr>
+                                        <p:cTn id="18" dur="1" fill="hold">
+                                          <p:stCondLst>
+                                            <p:cond delay="0"/>
+                                          </p:stCondLst>
+                                        </p:cTn>
+                                        <p:tgtEl>
+                                          <p:spTgt spid="3">
+                                            <p:txEl>
+                                              <p:pRg st="3" end="3"/>
+                                            </p:txEl>
+                                          </p:spTgt>
+                                        </p:tgtEl>
+                                        <p:attrNameLst>
+                                          <p:attrName>style.visibility</p:attrName>
+                                        </p:attrNameLst>
+                                      </p:cBhvr>
+                                      <p:to>
+                                        <p:strVal val="visible"/>
+                                      </p:to>
+                                    </p:set>
+                                  </p:childTnLst>
+                                </p:cTn>
+                              </p:par>
+                            </p:childTnLst>
+                          </p:cTn>
+                        </p:par>
+                      </p:childTnLst>
+                    </p:cTn>
+                  </p:par>
+                  <p:par>
+                    <p:cTn id="19" fill="hold">
+                      <p:stCondLst>
+                        <p:cond delay="indefinite"/>
+                      </p:stCondLst>
+                      <p:childTnLst>
+                        <p:par>
+                          <p:cTn id="20" fill="hold">
+                            <p:stCondLst>
+                              <p:cond delay="0"/>
+                            </p:stCondLst>
+                            <p:childTnLst>
+                              <p:par>
+                                <p:cTn id="21" presetID="1" presetClass="entr" presetSubtype="0" fill="hold" nodeType="clickEffect">
+                                  <p:stCondLst>
+                                    <p:cond delay="0"/>
+                                  </p:stCondLst>
+                                  <p:childTnLst>
+                                    <p:set>
+                                      <p:cBhvr>
+                                        <p:cTn id="22" dur="1" fill="hold">
+                                          <p:stCondLst>
+                                            <p:cond delay="0"/>
+                                          </p:stCondLst>
+                                        </p:cTn>
+                                        <p:tgtEl>
+                                          <p:spTgt spid="3">
+                                            <p:txEl>
+                                              <p:pRg st="4" end="4"/>
+                                            </p:txEl>
+                                          </p:spTgt>
+                                        </p:tgtEl>
+                                        <p:attrNameLst>
+                                          <p:attrName>style.visibility</p:attrName>
+                                        </p:attrNameLst>
+                                      </p:cBhvr>
+                                      <p:to>
+                                        <p:strVal val="visible"/>
+                                      </p:to>
+                                    </p:set>
+                                  </p:childTnLst>
+                                </p:cTn>
+                              </p:par>
+                            </p:childTnLst>
+                          </p:cTn>
+                        </p:par>
+                      </p:childTnLst>
+                    </p:cTn>
+                  </p:par>
+                  <p:par>
+                    <p:cTn id="23" fill="hold">
+                      <p:stCondLst>
+                        <p:cond delay="indefinite"/>
+                      </p:stCondLst>
+                      <p:childTnLst>
+                        <p:par>
+                          <p:cTn id="24" fill="hold">
+                            <p:stCondLst>
+                              <p:cond delay="0"/>
+                            </p:stCondLst>
+                            <p:childTnLst>
+                              <p:par>
+                                <p:cTn id="25" presetID="1" presetClass="entr" presetSubtype="0" fill="hold" nodeType="clickEffect">
+                                  <p:stCondLst>
+                                    <p:cond delay="0"/>
+                                  </p:stCondLst>
+                                  <p:childTnLst>
+                                    <p:set>
+                                      <p:cBhvr>
+                                        <p:cTn id="26" dur="1" fill="hold">
+                                          <p:stCondLst>
+                                            <p:cond delay="0"/>
+                                          </p:stCondLst>
+                                        </p:cTn>
+                                        <p:tgtEl>
+                                          <p:spTgt spid="3">
+                                            <p:txEl>
+                                              <p:pRg st="5" end="5"/>
+                                            </p:txEl>
+                                          </p:spTgt>
+                                        </p:tgtEl>
+                                        <p:attrNameLst>
+                                          <p:attrName>style.visibility</p:attrName>
+                                        </p:attrNameLst>
+                                      </p:cBhvr>
+                                      <p:to>
+                                        <p:strVal val="visible"/>
+                                      </p:to>
+                                    </p:set>
+                                  </p:childTnLst>
+                                </p:cTn>
+                              </p:par>
+                            </p:childTnLst>
+                          </p:cTn>
+                        </p:par>
+                      </p:childTnLst>
+                    </p:cTn>
+                  </p:par>
+                  <p:par>
+                    <p:cTn id="27" fill="hold">
+                      <p:stCondLst>
+                        <p:cond delay="indefinite"/>
+                      </p:stCondLst>
+                      <p:childTnLst>
+                        <p:par>
+                          <p:cTn id="28" fill="hold">
+                            <p:stCondLst>
+                              <p:cond delay="0"/>
+                            </p:stCondLst>
+                            <p:childTnLst>
+                              <p:par>
+                                <p:cTn id="29" presetID="1" presetClass="entr" presetSubtype="0" fill="hold" nodeType="clickEffect">
+                                  <p:stCondLst>
+                                    <p:cond delay="0"/>
+                                  </p:stCondLst>
+                                  <p:childTnLst>
+                                    <p:set>
+                                      <p:cBhvr>
+                                        <p:cTn id="30" dur="1" fill="hold">
+                                          <p:stCondLst>
+                                            <p:cond delay="0"/>
+                                          </p:stCondLst>
+                                        </p:cTn>
+                                        <p:tgtEl>
+                                          <p:spTgt spid="3">
+                                            <p:txEl>
+                                              <p:pRg st="6" end="6"/>
+                                            </p:txEl>
+                                          </p:spTgt>
+                                        </p:tgtEl>
+                                        <p:attrNameLst>
+                                          <p:attrName>style.visibility</p:attrName>
+                                        </p:attrNameLst>
+                                      </p:cBhvr>
+                                      <p:to>
+                                        <p:strVal val="visible"/>
+                                      </p:to>
+                                    </p:set>
+                                  </p:childTnLst>
+                                </p:cTn>
+                              </p:par>
+                            </p:childTnLst>
+                          </p:cTn>
+                        </p:par>
+                      </p:childTnLst>
+                    </p:cTn>
+                  </p:par>
+                </p:childTnLst>
+              </p:cTn>
+              <p:prevCondLst>
+                <p:cond evt="onPrev" delay="0">
+                  <p:tgtEl>
+                    <p:sldTgt/>
+                  </p:tgtEl>
+                </p:cond>
+              </p:prevCondLst>
+              <p:nextCondLst>
+                <p:cond evt="onNext" delay="0">
+                  <p:tgtEl>
+                    <p:sldTgt/>
+                  </p:tgtEl>
+                </p:cond>
+              </p:nextCondLst>
+            </p:seq>
+          </p:childTnLst>
+        </p:cTn>
+      </p:par>
+    </p:tnLst>
+  </p:timing>
 </p:sld>
 </file>
 
@@ -34379,8 +35146,8 @@
           <a:lstStyle/>
           <a:p>
             <a:r>
-              <a:rPr lang="en-US" sz="4200"/>
-              <a:t>Determining Sample When Estimating Means</a:t>
+              <a:rPr lang="en-US" sz="4200" dirty="0"/>
+              <a:t>Determining Sample When Estimating Proportions</a:t>
             </a:r>
           </a:p>
         </p:txBody>
@@ -35907,8 +36674,8 @@
               <a:buNone/>
             </a:pPr>
             <a:r>
-              <a:rPr lang="en-US" sz="2000"/>
-              <a:t>Filter question is for the determination of appropriate informants and classification question is for segmentation</a:t>
+              <a:rPr lang="en-US" sz="2000" dirty="0"/>
+              <a:t>Filter questions are for determining whether informants have the information you need, and classification questions are for segmentation</a:t>
             </a:r>
           </a:p>
           <a:p>
@@ -35917,7 +36684,7 @@
               <a:buAutoNum type="alphaUcPeriod"/>
             </a:pPr>
             <a:r>
-              <a:rPr lang="en-US" sz="2000"/>
+              <a:rPr lang="en-US" sz="2000" dirty="0"/>
               <a:t>True</a:t>
             </a:r>
           </a:p>
@@ -35927,7 +36694,7 @@
               <a:buAutoNum type="alphaUcPeriod"/>
             </a:pPr>
             <a:r>
-              <a:rPr lang="en-US" sz="2000"/>
+              <a:rPr lang="en-US" sz="2000" dirty="0"/>
               <a:t>False</a:t>
             </a:r>
           </a:p>
@@ -41777,8 +42544,8 @@
               <a:buNone/>
             </a:pPr>
             <a:r>
-              <a:rPr lang="en-US" sz="2400"/>
-              <a:t>There are both question order bias and response order bias </a:t>
+              <a:rPr lang="en-US" sz="2400" dirty="0"/>
+              <a:t>We can have both question order bias and response order bias in a survey</a:t>
             </a:r>
           </a:p>
           <a:p>
@@ -41787,7 +42554,7 @@
               <a:buAutoNum type="alphaUcPeriod"/>
             </a:pPr>
             <a:r>
-              <a:rPr lang="en-US" sz="2400"/>
+              <a:rPr lang="en-US" sz="2400" dirty="0"/>
               <a:t>True</a:t>
             </a:r>
           </a:p>
@@ -41797,7 +42564,7 @@
               <a:buAutoNum type="alphaUcPeriod"/>
             </a:pPr>
             <a:r>
-              <a:rPr lang="en-US" sz="2400"/>
+              <a:rPr lang="en-US" sz="2400" dirty="0"/>
               <a:t>False</a:t>
             </a:r>
           </a:p>
@@ -44394,6 +45161,23 @@
 </file>
 
 <file path=customXml/item1.xml><?xml version="1.0" encoding="utf-8"?>
+<?mso-contentType ?>
+<FormTemplates xmlns="http://schemas.microsoft.com/sharepoint/v3/contenttype/forms">
+  <Display>DocumentLibraryForm</Display>
+  <Edit>DocumentLibraryForm</Edit>
+  <New>DocumentLibraryForm</New>
+</FormTemplates>
+</file>
+
+<file path=customXml/item2.xml><?xml version="1.0" encoding="utf-8"?>
+<p:properties xmlns:p="http://schemas.microsoft.com/office/2006/metadata/properties" xmlns:xsi="http://www.w3.org/2001/XMLSchema-instance" xmlns:pc="http://schemas.microsoft.com/office/infopath/2007/PartnerControls">
+  <documentManagement>
+    <MediaServiceKeyPoints xmlns="71af3243-3dd4-4a8d-8c0d-dd76da1f02a5" xsi:nil="true"/>
+  </documentManagement>
+</p:properties>
+</file>
+
+<file path=customXml/item3.xml><?xml version="1.0" encoding="utf-8"?>
 <ct:contentTypeSchema xmlns:ct="http://schemas.microsoft.com/office/2006/metadata/contentType" xmlns:ma="http://schemas.microsoft.com/office/2006/metadata/properties/metaAttributes" ct:_="" ma:_="" ma:contentTypeName="Document" ma:contentTypeID="0x01010079F111ED35F8CC479449609E8A0923A6" ma:contentTypeVersion="11" ma:contentTypeDescription="Create a new document." ma:contentTypeScope="" ma:versionID="96291512c1ee715ab617f4c07df79fc1">
   <xsd:schema xmlns:xsd="http://www.w3.org/2001/XMLSchema" xmlns:xs="http://www.w3.org/2001/XMLSchema" xmlns:p="http://schemas.microsoft.com/office/2006/metadata/properties" xmlns:ns2="71af3243-3dd4-4a8d-8c0d-dd76da1f02a5" xmlns:ns3="16c05727-aa75-4e4a-9b5f-8a80a1165891" targetNamespace="http://schemas.microsoft.com/office/2006/metadata/properties" ma:root="true" ma:fieldsID="8256c27c40ca5c40ce1cf6c44f0205df" ns2:_="" ns3:_="">
     <xsd:import namespace="71af3243-3dd4-4a8d-8c0d-dd76da1f02a5"/>
@@ -44604,24 +45388,25 @@
 </ct:contentTypeSchema>
 </file>
 
-<file path=customXml/item2.xml><?xml version="1.0" encoding="utf-8"?>
-<?mso-contentType ?>
-<FormTemplates xmlns="http://schemas.microsoft.com/sharepoint/v3/contenttype/forms">
-  <Display>DocumentLibraryForm</Display>
-  <Edit>DocumentLibraryForm</Edit>
-  <New>DocumentLibraryForm</New>
-</FormTemplates>
+<file path=customXml/itemProps1.xml><?xml version="1.0" encoding="utf-8"?>
+<ds:datastoreItem xmlns:ds="http://schemas.openxmlformats.org/officeDocument/2006/customXml" ds:itemID="{5CA875DA-F9FD-4F83-A049-3B1027B542DE}">
+  <ds:schemaRefs>
+    <ds:schemaRef ds:uri="http://schemas.microsoft.com/sharepoint/v3/contenttype/forms"/>
+  </ds:schemaRefs>
+</ds:datastoreItem>
 </file>
 
-<file path=customXml/item3.xml><?xml version="1.0" encoding="utf-8"?>
-<p:properties xmlns:p="http://schemas.microsoft.com/office/2006/metadata/properties" xmlns:xsi="http://www.w3.org/2001/XMLSchema-instance" xmlns:pc="http://schemas.microsoft.com/office/infopath/2007/PartnerControls">
-  <documentManagement>
-    <MediaServiceKeyPoints xmlns="71af3243-3dd4-4a8d-8c0d-dd76da1f02a5" xsi:nil="true"/>
-  </documentManagement>
-</p:properties>
+<file path=customXml/itemProps2.xml><?xml version="1.0" encoding="utf-8"?>
+<ds:datastoreItem xmlns:ds="http://schemas.openxmlformats.org/officeDocument/2006/customXml" ds:itemID="{03C7D9E6-B0D9-433E-BD46-EB60F64F4DA8}">
+  <ds:schemaRefs>
+    <ds:schemaRef ds:uri="http://schemas.microsoft.com/office/2006/metadata/properties"/>
+    <ds:schemaRef ds:uri="http://schemas.microsoft.com/office/infopath/2007/PartnerControls"/>
+    <ds:schemaRef ds:uri="71af3243-3dd4-4a8d-8c0d-dd76da1f02a5"/>
+  </ds:schemaRefs>
+</ds:datastoreItem>
 </file>
 
-<file path=customXml/itemProps1.xml><?xml version="1.0" encoding="utf-8"?>
+<file path=customXml/itemProps3.xml><?xml version="1.0" encoding="utf-8"?>
 <ds:datastoreItem xmlns:ds="http://schemas.openxmlformats.org/officeDocument/2006/customXml" ds:itemID="{B2AB02E3-5ADF-4BF0-9C1B-35CDF3FE95B0}">
   <ds:schemaRefs>
     <ds:schemaRef ds:uri="http://schemas.microsoft.com/office/2006/metadata/contentType"/>
@@ -44638,22 +45423,4 @@
     <ds:schemaRef ds:uri="http://schemas.microsoft.com/internal/obd"/>
   </ds:schemaRefs>
 </ds:datastoreItem>
-</file>
-
-<file path=customXml/itemProps2.xml><?xml version="1.0" encoding="utf-8"?>
-<ds:datastoreItem xmlns:ds="http://schemas.openxmlformats.org/officeDocument/2006/customXml" ds:itemID="{5CA875DA-F9FD-4F83-A049-3B1027B542DE}">
-  <ds:schemaRefs>
-    <ds:schemaRef ds:uri="http://schemas.microsoft.com/sharepoint/v3/contenttype/forms"/>
-  </ds:schemaRefs>
-</ds:datastoreItem>
-</file>
-
-<file path=customXml/itemProps3.xml><?xml version="1.0" encoding="utf-8"?>
-<ds:datastoreItem xmlns:ds="http://schemas.openxmlformats.org/officeDocument/2006/customXml" ds:itemID="{03C7D9E6-B0D9-433E-BD46-EB60F64F4DA8}">
-  <ds:schemaRefs>
-    <ds:schemaRef ds:uri="http://schemas.microsoft.com/office/2006/metadata/properties"/>
-    <ds:schemaRef ds:uri="http://schemas.microsoft.com/office/infopath/2007/PartnerControls"/>
-    <ds:schemaRef ds:uri="71af3243-3dd4-4a8d-8c0d-dd76da1f02a5"/>
-  </ds:schemaRefs>
-</ds:datastoreItem>
 </file>